--- a/thesis/Diploma 2024-2025 - PETREA Andrei.pptx
+++ b/thesis/Diploma 2024-2025 - PETREA Andrei.pptx
@@ -844,6 +844,130 @@
 </file>
 
 <file path=ppt/notesSlides/notesSlide10.xml><?xml version="1.0" encoding="utf-8"?>
+<p:notes xmlns:a="http://schemas.openxmlformats.org/drawingml/2006/main" xmlns:r="http://schemas.openxmlformats.org/officeDocument/2006/relationships" xmlns:p="http://schemas.openxmlformats.org/presentationml/2006/main">
+  <p:cSld>
+    <p:spTree>
+      <p:nvGrpSpPr>
+        <p:cNvPr id="1" name=""/>
+        <p:cNvGrpSpPr/>
+        <p:nvPr/>
+      </p:nvGrpSpPr>
+      <p:grpSpPr>
+        <a:xfrm>
+          <a:off x="0" y="0"/>
+          <a:ext cx="0" cy="0"/>
+          <a:chOff x="0" y="0"/>
+          <a:chExt cx="0" cy="0"/>
+        </a:xfrm>
+      </p:grpSpPr>
+      <p:sp>
+        <p:nvSpPr>
+          <p:cNvPr id="2" name="Slide Image Placeholder 1"/>
+          <p:cNvSpPr>
+            <a:spLocks noGrp="1" noRot="1" noChangeAspect="1"/>
+          </p:cNvSpPr>
+          <p:nvPr>
+            <p:ph type="sldImg"/>
+          </p:nvPr>
+        </p:nvSpPr>
+        <p:spPr>
+          <a:xfrm>
+            <a:off x="1143000" y="685800"/>
+            <a:ext cx="4572000" cy="3429000"/>
+          </a:xfrm>
+        </p:spPr>
+      </p:sp>
+      <p:sp>
+        <p:nvSpPr>
+          <p:cNvPr id="3" name="Notes Placeholder 2"/>
+          <p:cNvSpPr>
+            <a:spLocks noGrp="1"/>
+          </p:cNvSpPr>
+          <p:nvPr>
+            <p:ph type="body" idx="1"/>
+          </p:nvPr>
+        </p:nvSpPr>
+        <p:spPr/>
+        <p:txBody>
+          <a:bodyPr/>
+          <a:lstStyle/>
+          <a:p>
+            <a:r>
+              <a:rPr lang="en-US" dirty="0"/>
+              <a:t>[7] </a:t>
+            </a:r>
+            <a:r>
+              <a:rPr lang="en-GB" dirty="0" err="1">
+                <a:hlinkClick r:id="rId3"/>
+              </a:rPr>
+              <a:t>catalog</a:t>
+            </a:r>
+            <a:r>
+              <a:rPr lang="en-GB" dirty="0">
+                <a:hlinkClick r:id="rId3"/>
+              </a:rPr>
+              <a:t>/examples/</a:t>
+            </a:r>
+            <a:r>
+              <a:rPr lang="en-GB" dirty="0" err="1">
+                <a:hlinkClick r:id="rId3"/>
+              </a:rPr>
+              <a:t>helloworld</a:t>
+            </a:r>
+            <a:r>
+              <a:rPr lang="en-GB" dirty="0">
+                <a:hlinkClick r:id="rId3"/>
+              </a:rPr>
+              <a:t>-c/</a:t>
+            </a:r>
+            <a:r>
+              <a:rPr lang="en-GB" dirty="0" err="1">
+                <a:hlinkClick r:id="rId3"/>
+              </a:rPr>
+              <a:t>Kraftfile</a:t>
+            </a:r>
+            <a:r>
+              <a:rPr lang="en-GB" dirty="0">
+                <a:hlinkClick r:id="rId3"/>
+              </a:rPr>
+              <a:t> at main · </a:t>
+            </a:r>
+            <a:r>
+              <a:rPr lang="en-GB" dirty="0" err="1">
+                <a:hlinkClick r:id="rId3"/>
+              </a:rPr>
+              <a:t>unikraft</a:t>
+            </a:r>
+            <a:r>
+              <a:rPr lang="en-GB" dirty="0">
+                <a:hlinkClick r:id="rId3"/>
+              </a:rPr>
+              <a:t>/</a:t>
+            </a:r>
+            <a:r>
+              <a:rPr lang="en-GB" dirty="0" err="1">
+                <a:hlinkClick r:id="rId3"/>
+              </a:rPr>
+              <a:t>catalog</a:t>
+            </a:r>
+            <a:endParaRPr lang="en-GB" dirty="0"/>
+          </a:p>
+        </p:txBody>
+      </p:sp>
+    </p:spTree>
+    <p:extLst>
+      <p:ext uri="{BB962C8B-B14F-4D97-AF65-F5344CB8AC3E}">
+        <p14:creationId xmlns:p14="http://schemas.microsoft.com/office/powerpoint/2010/main" val="740587143"/>
+      </p:ext>
+    </p:extLst>
+  </p:cSld>
+  <p:clrMapOvr>
+    <a:masterClrMapping/>
+  </p:clrMapOvr>
+</p:notes>
+</file>
+
+<file path=ppt/notesSlides/notesSlide11.xml><?xml version="1.0" encoding="utf-8"?>
 <p:notes xmlns:a="http://schemas.openxmlformats.org/drawingml/2006/main" xmlns:r="http://schemas.openxmlformats.org/officeDocument/2006/relationships" xmlns:p="http://schemas.openxmlformats.org/presentationml/2006/main" showMasterSp="0" showMasterPhAnim="0">
   <p:cSld>
     <p:spTree>
@@ -954,16 +1078,16 @@
               <a:buNone/>
             </a:pPr>
             <a:r>
-              <a:rPr lang="en-US"/>
-              <a:t>[6] </a:t>
-            </a:r>
-            <a:r>
-              <a:rPr lang="en-GB">
+              <a:rPr lang="en-US" dirty="0"/>
+              <a:t>[8] </a:t>
+            </a:r>
+            <a:r>
+              <a:rPr lang="en-GB" dirty="0">
                 <a:hlinkClick r:id="rId3"/>
               </a:rPr>
               <a:t>client package - github.com/docker/docker/client - Go Packages</a:t>
             </a:r>
-            <a:endParaRPr/>
+            <a:endParaRPr dirty="0"/>
           </a:p>
         </p:txBody>
       </p:sp>
@@ -980,7 +1104,7 @@
 </p:notes>
 </file>
 
-<file path=ppt/notesSlides/notesSlide11.xml><?xml version="1.0" encoding="utf-8"?>
+<file path=ppt/notesSlides/notesSlide12.xml><?xml version="1.0" encoding="utf-8"?>
 <p:notes xmlns:a="http://schemas.openxmlformats.org/drawingml/2006/main" xmlns:r="http://schemas.openxmlformats.org/officeDocument/2006/relationships" xmlns:p="http://schemas.openxmlformats.org/presentationml/2006/main" showMasterSp="0" showMasterPhAnim="0">
   <p:cSld>
     <p:spTree>
@@ -1107,7 +1231,7 @@
 </p:notes>
 </file>
 
-<file path=ppt/notesSlides/notesSlide12.xml><?xml version="1.0" encoding="utf-8"?>
+<file path=ppt/notesSlides/notesSlide13.xml><?xml version="1.0" encoding="utf-8"?>
 <p:notes xmlns:a="http://schemas.openxmlformats.org/drawingml/2006/main" xmlns:r="http://schemas.openxmlformats.org/officeDocument/2006/relationships" xmlns:p="http://schemas.openxmlformats.org/presentationml/2006/main" showMasterSp="0" showMasterPhAnim="0">
   <p:cSld>
     <p:spTree>
@@ -1234,7 +1358,7 @@
 </p:notes>
 </file>
 
-<file path=ppt/notesSlides/notesSlide13.xml><?xml version="1.0" encoding="utf-8"?>
+<file path=ppt/notesSlides/notesSlide14.xml><?xml version="1.0" encoding="utf-8"?>
 <p:notes xmlns:a="http://schemas.openxmlformats.org/drawingml/2006/main" xmlns:r="http://schemas.openxmlformats.org/officeDocument/2006/relationships" xmlns:p="http://schemas.openxmlformats.org/presentationml/2006/main" showMasterSp="0" showMasterPhAnim="0">
   <p:cSld>
     <p:spTree>
@@ -1361,7 +1485,7 @@
 </p:notes>
 </file>
 
-<file path=ppt/notesSlides/notesSlide14.xml><?xml version="1.0" encoding="utf-8"?>
+<file path=ppt/notesSlides/notesSlide15.xml><?xml version="1.0" encoding="utf-8"?>
 <p:notes xmlns:a="http://schemas.openxmlformats.org/drawingml/2006/main" xmlns:r="http://schemas.openxmlformats.org/officeDocument/2006/relationships" xmlns:p="http://schemas.openxmlformats.org/presentationml/2006/main" showMasterSp="0" showMasterPhAnim="0">
   <p:cSld>
     <p:spTree>
@@ -1488,7 +1612,7 @@
 </p:notes>
 </file>
 
-<file path=ppt/notesSlides/notesSlide15.xml><?xml version="1.0" encoding="utf-8"?>
+<file path=ppt/notesSlides/notesSlide16.xml><?xml version="1.0" encoding="utf-8"?>
 <p:notes xmlns:a="http://schemas.openxmlformats.org/drawingml/2006/main" xmlns:r="http://schemas.openxmlformats.org/officeDocument/2006/relationships" xmlns:p="http://schemas.openxmlformats.org/presentationml/2006/main" showMasterSp="0" showMasterPhAnim="0">
   <p:cSld>
     <p:spTree>
@@ -1615,7 +1739,7 @@
 </p:notes>
 </file>
 
-<file path=ppt/notesSlides/notesSlide16.xml><?xml version="1.0" encoding="utf-8"?>
+<file path=ppt/notesSlides/notesSlide17.xml><?xml version="1.0" encoding="utf-8"?>
 <p:notes xmlns:a="http://schemas.openxmlformats.org/drawingml/2006/main" xmlns:r="http://schemas.openxmlformats.org/officeDocument/2006/relationships" xmlns:p="http://schemas.openxmlformats.org/presentationml/2006/main" showMasterSp="0" showMasterPhAnim="0">
   <p:cSld>
     <p:spTree>
@@ -1742,7 +1866,7 @@
 </p:notes>
 </file>
 
-<file path=ppt/notesSlides/notesSlide17.xml><?xml version="1.0" encoding="utf-8"?>
+<file path=ppt/notesSlides/notesSlide18.xml><?xml version="1.0" encoding="utf-8"?>
 <p:notes xmlns:a="http://schemas.openxmlformats.org/drawingml/2006/main" xmlns:r="http://schemas.openxmlformats.org/officeDocument/2006/relationships" xmlns:p="http://schemas.openxmlformats.org/presentationml/2006/main" showMasterSp="0" showMasterPhAnim="0">
   <p:cSld>
     <p:spTree>
@@ -1846,7 +1970,7 @@
 </p:notes>
 </file>
 
-<file path=ppt/notesSlides/notesSlide18.xml><?xml version="1.0" encoding="utf-8"?>
+<file path=ppt/notesSlides/notesSlide19.xml><?xml version="1.0" encoding="utf-8"?>
 <p:notes xmlns:a="http://schemas.openxmlformats.org/drawingml/2006/main" xmlns:r="http://schemas.openxmlformats.org/officeDocument/2006/relationships" xmlns:p="http://schemas.openxmlformats.org/presentationml/2006/main" showMasterSp="0" showMasterPhAnim="0">
   <p:cSld>
     <p:spTree>
@@ -1973,7 +2097,121 @@
 </p:notes>
 </file>
 
-<file path=ppt/notesSlides/notesSlide19.xml><?xml version="1.0" encoding="utf-8"?>
+<file path=ppt/notesSlides/notesSlide2.xml><?xml version="1.0" encoding="utf-8"?>
+<p:notes xmlns:a="http://schemas.openxmlformats.org/drawingml/2006/main" xmlns:r="http://schemas.openxmlformats.org/officeDocument/2006/relationships" xmlns:p="http://schemas.openxmlformats.org/presentationml/2006/main" showMasterSp="0" showMasterPhAnim="0">
+  <p:cSld>
+    <p:spTree>
+      <p:nvGrpSpPr>
+        <p:cNvPr id="1" name="Shape 93"/>
+        <p:cNvGrpSpPr/>
+        <p:nvPr/>
+      </p:nvGrpSpPr>
+      <p:grpSpPr>
+        <a:xfrm>
+          <a:off x="0" y="0"/>
+          <a:ext cx="0" cy="0"/>
+          <a:chOff x="0" y="0"/>
+          <a:chExt cx="0" cy="0"/>
+        </a:xfrm>
+      </p:grpSpPr>
+      <p:sp>
+        <p:nvSpPr>
+          <p:cNvPr id="94" name="Google Shape;94;g54a44bd2ca_2_40:notes"/>
+          <p:cNvSpPr txBox="1">
+            <a:spLocks noGrp="1"/>
+          </p:cNvSpPr>
+          <p:nvPr>
+            <p:ph type="body" idx="1"/>
+          </p:nvPr>
+        </p:nvSpPr>
+        <p:spPr>
+          <a:xfrm>
+            <a:off x="685800" y="4343400"/>
+            <a:ext cx="5486400" cy="4114800"/>
+          </a:xfrm>
+          <a:prstGeom prst="rect">
+            <a:avLst/>
+          </a:prstGeom>
+        </p:spPr>
+        <p:txBody>
+          <a:bodyPr spcFirstLastPara="1" wrap="square" lIns="91425" tIns="91425" rIns="91425" bIns="91425" anchor="t" anchorCtr="0">
+            <a:noAutofit/>
+          </a:bodyPr>
+          <a:lstStyle/>
+          <a:p>
+            <a:pPr marL="0" lvl="0" indent="0" algn="l" rtl="0">
+              <a:spcBef>
+                <a:spcPts val="0"/>
+              </a:spcBef>
+              <a:spcAft>
+                <a:spcPts val="0"/>
+              </a:spcAft>
+              <a:buNone/>
+            </a:pPr>
+            <a:r>
+              <a:rPr lang="en-US" dirty="0"/>
+              <a:t>[1] </a:t>
+            </a:r>
+            <a:r>
+              <a:rPr lang="en-GB" dirty="0">
+                <a:hlinkClick r:id="rId3"/>
+              </a:rPr>
+              <a:t>Comparing VMs and Containers - Aqueduct Tech</a:t>
+            </a:r>
+            <a:endParaRPr dirty="0"/>
+          </a:p>
+        </p:txBody>
+      </p:sp>
+      <p:sp>
+        <p:nvSpPr>
+          <p:cNvPr id="95" name="Google Shape;95;g54a44bd2ca_2_40:notes"/>
+          <p:cNvSpPr>
+            <a:spLocks noGrp="1" noRot="1" noChangeAspect="1"/>
+          </p:cNvSpPr>
+          <p:nvPr>
+            <p:ph type="sldImg" idx="2"/>
+          </p:nvPr>
+        </p:nvSpPr>
+        <p:spPr>
+          <a:xfrm>
+            <a:off x="1143000" y="685800"/>
+            <a:ext cx="4572000" cy="3429000"/>
+          </a:xfrm>
+          <a:custGeom>
+            <a:avLst/>
+            <a:gdLst/>
+            <a:ahLst/>
+            <a:cxnLst/>
+            <a:rect l="l" t="t" r="r" b="b"/>
+            <a:pathLst>
+              <a:path w="120000" h="120000" extrusionOk="0">
+                <a:moveTo>
+                  <a:pt x="0" y="0"/>
+                </a:moveTo>
+                <a:lnTo>
+                  <a:pt x="120000" y="0"/>
+                </a:lnTo>
+                <a:lnTo>
+                  <a:pt x="120000" y="120000"/>
+                </a:lnTo>
+                <a:lnTo>
+                  <a:pt x="0" y="120000"/>
+                </a:lnTo>
+                <a:close/>
+              </a:path>
+            </a:pathLst>
+          </a:custGeom>
+        </p:spPr>
+      </p:sp>
+    </p:spTree>
+  </p:cSld>
+  <p:clrMapOvr>
+    <a:masterClrMapping/>
+  </p:clrMapOvr>
+</p:notes>
+</file>
+
+<file path=ppt/notesSlides/notesSlide20.xml><?xml version="1.0" encoding="utf-8"?>
 <p:notes xmlns:a="http://schemas.openxmlformats.org/drawingml/2006/main" xmlns:r="http://schemas.openxmlformats.org/officeDocument/2006/relationships" xmlns:p="http://schemas.openxmlformats.org/presentationml/2006/main" showMasterSp="0" showMasterPhAnim="0">
   <p:cSld>
     <p:spTree>
@@ -2077,12 +2315,12 @@
 </p:notes>
 </file>
 
-<file path=ppt/notesSlides/notesSlide2.xml><?xml version="1.0" encoding="utf-8"?>
-<p:notes xmlns:a="http://schemas.openxmlformats.org/drawingml/2006/main" xmlns:r="http://schemas.openxmlformats.org/officeDocument/2006/relationships" xmlns:p="http://schemas.openxmlformats.org/presentationml/2006/main" showMasterSp="0" showMasterPhAnim="0">
+<file path=ppt/notesSlides/notesSlide3.xml><?xml version="1.0" encoding="utf-8"?>
+<p:notes xmlns:a="http://schemas.openxmlformats.org/drawingml/2006/main" xmlns:r="http://schemas.openxmlformats.org/officeDocument/2006/relationships" xmlns:p="http://schemas.openxmlformats.org/presentationml/2006/main">
   <p:cSld>
     <p:spTree>
       <p:nvGrpSpPr>
-        <p:cNvPr id="1" name="Shape 93"/>
+        <p:cNvPr id="1" name=""/>
         <p:cNvGrpSpPr/>
         <p:nvPr/>
       </p:nvGrpSpPr>
@@ -2096,60 +2334,12 @@
       </p:grpSpPr>
       <p:sp>
         <p:nvSpPr>
-          <p:cNvPr id="94" name="Google Shape;94;g54a44bd2ca_2_40:notes"/>
-          <p:cNvSpPr txBox="1">
-            <a:spLocks noGrp="1"/>
-          </p:cNvSpPr>
-          <p:nvPr>
-            <p:ph type="body" idx="1"/>
-          </p:nvPr>
-        </p:nvSpPr>
-        <p:spPr>
-          <a:xfrm>
-            <a:off x="685800" y="4343400"/>
-            <a:ext cx="5486400" cy="4114800"/>
-          </a:xfrm>
-          <a:prstGeom prst="rect">
-            <a:avLst/>
-          </a:prstGeom>
-        </p:spPr>
-        <p:txBody>
-          <a:bodyPr spcFirstLastPara="1" wrap="square" lIns="91425" tIns="91425" rIns="91425" bIns="91425" anchor="t" anchorCtr="0">
-            <a:noAutofit/>
-          </a:bodyPr>
-          <a:lstStyle/>
-          <a:p>
-            <a:pPr marL="0" lvl="0" indent="0" algn="l" rtl="0">
-              <a:spcBef>
-                <a:spcPts val="0"/>
-              </a:spcBef>
-              <a:spcAft>
-                <a:spcPts val="0"/>
-              </a:spcAft>
-              <a:buNone/>
-            </a:pPr>
-            <a:r>
-              <a:rPr lang="en-US" dirty="0"/>
-              <a:t>[1] </a:t>
-            </a:r>
-            <a:r>
-              <a:rPr lang="en-GB" dirty="0">
-                <a:hlinkClick r:id="rId3"/>
-              </a:rPr>
-              <a:t>Comparing VMs and Containers - Aqueduct Tech</a:t>
-            </a:r>
-            <a:endParaRPr dirty="0"/>
-          </a:p>
-        </p:txBody>
-      </p:sp>
-      <p:sp>
-        <p:nvSpPr>
-          <p:cNvPr id="95" name="Google Shape;95;g54a44bd2ca_2_40:notes"/>
+          <p:cNvPr id="2" name="Slide Image Placeholder 1"/>
           <p:cNvSpPr>
             <a:spLocks noGrp="1" noRot="1" noChangeAspect="1"/>
           </p:cNvSpPr>
           <p:nvPr>
-            <p:ph type="sldImg" idx="2"/>
+            <p:ph type="sldImg"/>
           </p:nvPr>
         </p:nvSpPr>
         <p:spPr>
@@ -2157,33 +2347,52 @@
             <a:off x="1143000" y="685800"/>
             <a:ext cx="4572000" cy="3429000"/>
           </a:xfrm>
-          <a:custGeom>
-            <a:avLst/>
-            <a:gdLst/>
-            <a:ahLst/>
-            <a:cxnLst/>
-            <a:rect l="l" t="t" r="r" b="b"/>
-            <a:pathLst>
-              <a:path w="120000" h="120000" extrusionOk="0">
-                <a:moveTo>
-                  <a:pt x="0" y="0"/>
-                </a:moveTo>
-                <a:lnTo>
-                  <a:pt x="120000" y="0"/>
-                </a:lnTo>
-                <a:lnTo>
-                  <a:pt x="120000" y="120000"/>
-                </a:lnTo>
-                <a:lnTo>
-                  <a:pt x="0" y="120000"/>
-                </a:lnTo>
-                <a:close/>
-              </a:path>
-            </a:pathLst>
-          </a:custGeom>
         </p:spPr>
       </p:sp>
+      <p:sp>
+        <p:nvSpPr>
+          <p:cNvPr id="3" name="Notes Placeholder 2"/>
+          <p:cNvSpPr>
+            <a:spLocks noGrp="1"/>
+          </p:cNvSpPr>
+          <p:nvPr>
+            <p:ph type="body" idx="1"/>
+          </p:nvPr>
+        </p:nvSpPr>
+        <p:spPr/>
+        <p:txBody>
+          <a:bodyPr/>
+          <a:lstStyle/>
+          <a:p>
+            <a:pPr marL="158750" indent="0">
+              <a:buNone/>
+            </a:pPr>
+            <a:r>
+              <a:rPr lang="en-US" dirty="0"/>
+              <a:t>[2] </a:t>
+            </a:r>
+            <a:r>
+              <a:rPr lang="en-GB" dirty="0">
+                <a:hlinkClick r:id="rId3"/>
+              </a:rPr>
+              <a:t>What is Docker? - </a:t>
+            </a:r>
+            <a:r>
+              <a:rPr lang="en-GB" dirty="0" err="1">
+                <a:hlinkClick r:id="rId3"/>
+              </a:rPr>
+              <a:t>GeeksforGeeks</a:t>
+            </a:r>
+            <a:endParaRPr lang="en-GB" dirty="0"/>
+          </a:p>
+        </p:txBody>
+      </p:sp>
     </p:spTree>
+    <p:extLst>
+      <p:ext uri="{BB962C8B-B14F-4D97-AF65-F5344CB8AC3E}">
+        <p14:creationId xmlns:p14="http://schemas.microsoft.com/office/powerpoint/2010/main" val="606695753"/>
+      </p:ext>
+    </p:extLst>
   </p:cSld>
   <p:clrMapOvr>
     <a:masterClrMapping/>
@@ -2191,7 +2400,7 @@
 </p:notes>
 </file>
 
-<file path=ppt/notesSlides/notesSlide3.xml><?xml version="1.0" encoding="utf-8"?>
+<file path=ppt/notesSlides/notesSlide4.xml><?xml version="1.0" encoding="utf-8"?>
 <p:notes xmlns:a="http://schemas.openxmlformats.org/drawingml/2006/main" xmlns:r="http://schemas.openxmlformats.org/officeDocument/2006/relationships" xmlns:p="http://schemas.openxmlformats.org/presentationml/2006/main" showMasterSp="0" showMasterPhAnim="0">
   <p:cSld>
     <p:spTree>
@@ -2328,7 +2537,7 @@
 </p:notes>
 </file>
 
-<file path=ppt/notesSlides/notesSlide4.xml><?xml version="1.0" encoding="utf-8"?>
+<file path=ppt/notesSlides/notesSlide5.xml><?xml version="1.0" encoding="utf-8"?>
 <p:notes xmlns:a="http://schemas.openxmlformats.org/drawingml/2006/main" xmlns:r="http://schemas.openxmlformats.org/officeDocument/2006/relationships" xmlns:p="http://schemas.openxmlformats.org/presentationml/2006/main" showMasterSp="0" showMasterPhAnim="0">
   <p:cSld>
     <p:spTree>
@@ -2432,7 +2641,7 @@
 </p:notes>
 </file>
 
-<file path=ppt/notesSlides/notesSlide5.xml><?xml version="1.0" encoding="utf-8"?>
+<file path=ppt/notesSlides/notesSlide6.xml><?xml version="1.0" encoding="utf-8"?>
 <p:notes xmlns:a="http://schemas.openxmlformats.org/drawingml/2006/main" xmlns:r="http://schemas.openxmlformats.org/officeDocument/2006/relationships" xmlns:p="http://schemas.openxmlformats.org/presentationml/2006/main" showMasterSp="0" showMasterPhAnim="0">
   <p:cSld>
     <p:spTree>
@@ -2543,35 +2752,35 @@
               <a:buNone/>
             </a:pPr>
             <a:r>
-              <a:rPr lang="en-GB"/>
-              <a:t>[2] </a:t>
-            </a:r>
-            <a:r>
-              <a:rPr lang="en-GB" err="1">
+              <a:rPr lang="en-GB" dirty="0"/>
+              <a:t>[3] </a:t>
+            </a:r>
+            <a:r>
+              <a:rPr lang="en-GB" dirty="0" err="1">
                 <a:hlinkClick r:id="rId3"/>
               </a:rPr>
               <a:t>debian</a:t>
             </a:r>
             <a:r>
-              <a:rPr lang="en-GB">
+              <a:rPr lang="en-GB" dirty="0">
                 <a:hlinkClick r:id="rId3"/>
               </a:rPr>
               <a:t> - Official Image | Docker Hub</a:t>
             </a:r>
             <a:br>
-              <a:rPr lang="en-GB"/>
+              <a:rPr lang="en-GB" dirty="0"/>
             </a:br>
             <a:r>
-              <a:rPr lang="en-GB"/>
-              <a:t>[3] </a:t>
-            </a:r>
-            <a:r>
-              <a:rPr lang="en-GB">
+              <a:rPr lang="en-GB" dirty="0"/>
+              <a:t>[4] </a:t>
+            </a:r>
+            <a:r>
+              <a:rPr lang="en-GB" dirty="0">
                 <a:hlinkClick r:id="rId4"/>
               </a:rPr>
               <a:t>alpine - Official Image | Docker Hub</a:t>
             </a:r>
-            <a:endParaRPr/>
+            <a:endParaRPr dirty="0"/>
           </a:p>
         </p:txBody>
       </p:sp>
@@ -2588,7 +2797,7 @@
 </p:notes>
 </file>
 
-<file path=ppt/notesSlides/notesSlide6.xml><?xml version="1.0" encoding="utf-8"?>
+<file path=ppt/notesSlides/notesSlide7.xml><?xml version="1.0" encoding="utf-8"?>
 <p:notes xmlns:a="http://schemas.openxmlformats.org/drawingml/2006/main" xmlns:r="http://schemas.openxmlformats.org/officeDocument/2006/relationships" xmlns:p="http://schemas.openxmlformats.org/presentationml/2006/main" showMasterSp="0" showMasterPhAnim="0">
   <p:cSld>
     <p:spTree>
@@ -2699,16 +2908,16 @@
               <a:buNone/>
             </a:pPr>
             <a:r>
-              <a:rPr lang="en-US"/>
-              <a:t>[4] </a:t>
-            </a:r>
-            <a:r>
-              <a:rPr lang="en-GB">
+              <a:rPr lang="en-US" dirty="0"/>
+              <a:t>[5] </a:t>
+            </a:r>
+            <a:r>
+              <a:rPr lang="en-GB" dirty="0">
                 <a:hlinkClick r:id="rId3"/>
               </a:rPr>
               <a:t>scratch - Official Image | Docker Hub</a:t>
             </a:r>
-            <a:endParaRPr/>
+            <a:endParaRPr dirty="0"/>
           </a:p>
         </p:txBody>
       </p:sp>
@@ -2725,7 +2934,7 @@
 </p:notes>
 </file>
 
-<file path=ppt/notesSlides/notesSlide7.xml><?xml version="1.0" encoding="utf-8"?>
+<file path=ppt/notesSlides/notesSlide8.xml><?xml version="1.0" encoding="utf-8"?>
 <p:notes xmlns:a="http://schemas.openxmlformats.org/drawingml/2006/main" xmlns:r="http://schemas.openxmlformats.org/officeDocument/2006/relationships" xmlns:p="http://schemas.openxmlformats.org/presentationml/2006/main" showMasterSp="0" showMasterPhAnim="0">
   <p:cSld>
     <p:spTree>
@@ -2852,88 +3061,6 @@
 </p:notes>
 </file>
 
-<file path=ppt/notesSlides/notesSlide8.xml><?xml version="1.0" encoding="utf-8"?>
-<p:notes xmlns:a="http://schemas.openxmlformats.org/drawingml/2006/main" xmlns:r="http://schemas.openxmlformats.org/officeDocument/2006/relationships" xmlns:p="http://schemas.openxmlformats.org/presentationml/2006/main">
-  <p:cSld>
-    <p:spTree>
-      <p:nvGrpSpPr>
-        <p:cNvPr id="1" name=""/>
-        <p:cNvGrpSpPr/>
-        <p:nvPr/>
-      </p:nvGrpSpPr>
-      <p:grpSpPr>
-        <a:xfrm>
-          <a:off x="0" y="0"/>
-          <a:ext cx="0" cy="0"/>
-          <a:chOff x="0" y="0"/>
-          <a:chExt cx="0" cy="0"/>
-        </a:xfrm>
-      </p:grpSpPr>
-      <p:sp>
-        <p:nvSpPr>
-          <p:cNvPr id="2" name="Slide Image Placeholder 1"/>
-          <p:cNvSpPr>
-            <a:spLocks noGrp="1" noRot="1" noChangeAspect="1"/>
-          </p:cNvSpPr>
-          <p:nvPr>
-            <p:ph type="sldImg"/>
-          </p:nvPr>
-        </p:nvSpPr>
-        <p:spPr>
-          <a:xfrm>
-            <a:off x="1143000" y="685800"/>
-            <a:ext cx="4572000" cy="3429000"/>
-          </a:xfrm>
-        </p:spPr>
-      </p:sp>
-      <p:sp>
-        <p:nvSpPr>
-          <p:cNvPr id="3" name="Notes Placeholder 2"/>
-          <p:cNvSpPr>
-            <a:spLocks noGrp="1"/>
-          </p:cNvSpPr>
-          <p:nvPr>
-            <p:ph type="body" idx="1"/>
-          </p:nvPr>
-        </p:nvSpPr>
-        <p:spPr/>
-        <p:txBody>
-          <a:bodyPr/>
-          <a:lstStyle/>
-          <a:p>
-            <a:r>
-              <a:rPr lang="en-US"/>
-              <a:t>[5] </a:t>
-            </a:r>
-            <a:r>
-              <a:rPr lang="en-GB">
-                <a:hlinkClick r:id="rId3"/>
-              </a:rPr>
-              <a:t>Concepts - </a:t>
-            </a:r>
-            <a:r>
-              <a:rPr lang="en-GB" err="1">
-                <a:hlinkClick r:id="rId3"/>
-              </a:rPr>
-              <a:t>Unikraft</a:t>
-            </a:r>
-            <a:endParaRPr lang="en-GB"/>
-          </a:p>
-        </p:txBody>
-      </p:sp>
-    </p:spTree>
-    <p:extLst>
-      <p:ext uri="{BB962C8B-B14F-4D97-AF65-F5344CB8AC3E}">
-        <p14:creationId xmlns:p14="http://schemas.microsoft.com/office/powerpoint/2010/main" val="2715867124"/>
-      </p:ext>
-    </p:extLst>
-  </p:cSld>
-  <p:clrMapOvr>
-    <a:masterClrMapping/>
-  </p:clrMapOvr>
-</p:notes>
-</file>
-
 <file path=ppt/notesSlides/notesSlide9.xml><?xml version="1.0" encoding="utf-8"?>
 <p:notes xmlns:a="http://schemas.openxmlformats.org/drawingml/2006/main" xmlns:r="http://schemas.openxmlformats.org/officeDocument/2006/relationships" xmlns:p="http://schemas.openxmlformats.org/presentationml/2006/main">
   <p:cSld>
@@ -2984,71 +3111,29 @@
           <a:lstStyle/>
           <a:p>
             <a:r>
-              <a:rPr lang="en-US"/>
-              <a:t>[5] </a:t>
-            </a:r>
-            <a:r>
-              <a:rPr lang="en-GB" err="1">
+              <a:rPr lang="en-US" dirty="0"/>
+              <a:t>[6] </a:t>
+            </a:r>
+            <a:r>
+              <a:rPr lang="en-GB" dirty="0">
                 <a:hlinkClick r:id="rId3"/>
               </a:rPr>
-              <a:t>catalog</a:t>
-            </a:r>
-            <a:r>
-              <a:rPr lang="en-GB">
+              <a:t>Concepts - </a:t>
+            </a:r>
+            <a:r>
+              <a:rPr lang="en-GB" dirty="0" err="1">
                 <a:hlinkClick r:id="rId3"/>
               </a:rPr>
-              <a:t>/examples/</a:t>
-            </a:r>
-            <a:r>
-              <a:rPr lang="en-GB" err="1">
-                <a:hlinkClick r:id="rId3"/>
-              </a:rPr>
-              <a:t>helloworld</a:t>
-            </a:r>
-            <a:r>
-              <a:rPr lang="en-GB">
-                <a:hlinkClick r:id="rId3"/>
-              </a:rPr>
-              <a:t>-c/</a:t>
-            </a:r>
-            <a:r>
-              <a:rPr lang="en-GB" err="1">
-                <a:hlinkClick r:id="rId3"/>
-              </a:rPr>
-              <a:t>Kraftfile</a:t>
-            </a:r>
-            <a:r>
-              <a:rPr lang="en-GB">
-                <a:hlinkClick r:id="rId3"/>
-              </a:rPr>
-              <a:t> at main · </a:t>
-            </a:r>
-            <a:r>
-              <a:rPr lang="en-GB" err="1">
-                <a:hlinkClick r:id="rId3"/>
-              </a:rPr>
-              <a:t>unikraft</a:t>
-            </a:r>
-            <a:r>
-              <a:rPr lang="en-GB">
-                <a:hlinkClick r:id="rId3"/>
-              </a:rPr>
-              <a:t>/</a:t>
-            </a:r>
-            <a:r>
-              <a:rPr lang="en-GB" err="1">
-                <a:hlinkClick r:id="rId3"/>
-              </a:rPr>
-              <a:t>catalog</a:t>
-            </a:r>
-            <a:endParaRPr lang="en-GB"/>
+              <a:t>Unikraft</a:t>
+            </a:r>
+            <a:endParaRPr lang="en-GB" dirty="0"/>
           </a:p>
         </p:txBody>
       </p:sp>
     </p:spTree>
     <p:extLst>
       <p:ext uri="{BB962C8B-B14F-4D97-AF65-F5344CB8AC3E}">
-        <p14:creationId xmlns:p14="http://schemas.microsoft.com/office/powerpoint/2010/main" val="740587143"/>
+        <p14:creationId xmlns:p14="http://schemas.microsoft.com/office/powerpoint/2010/main" val="2715867124"/>
       </p:ext>
     </p:extLst>
   </p:cSld>
@@ -9203,31 +9288,31 @@
           <a:lstStyle/>
           <a:p>
             <a:r>
-              <a:rPr lang="en-US" sz="1600" err="1">
+              <a:rPr lang="en-US" sz="1600" dirty="0" err="1">
                 <a:latin typeface="Calibri" panose="020F0502020204030204" pitchFamily="34" charset="0"/>
                 <a:cs typeface="Calibri" panose="020F0502020204030204" pitchFamily="34" charset="0"/>
               </a:rPr>
               <a:t>Kraftfile</a:t>
             </a:r>
             <a:r>
-              <a:rPr lang="en-US" sz="1600">
+              <a:rPr lang="en-US" sz="1600" dirty="0">
                 <a:latin typeface="Calibri" panose="020F0502020204030204" pitchFamily="34" charset="0"/>
                 <a:cs typeface="Calibri" panose="020F0502020204030204" pitchFamily="34" charset="0"/>
               </a:rPr>
               <a:t> for hello-world in C</a:t>
             </a:r>
             <a:r>
-              <a:rPr lang="en-US" sz="1600" baseline="30000">
+              <a:rPr lang="en-US" sz="1600" baseline="30000" dirty="0">
                 <a:latin typeface="Calibri" panose="020F0502020204030204" pitchFamily="34" charset="0"/>
                 <a:cs typeface="Calibri" panose="020F0502020204030204" pitchFamily="34" charset="0"/>
               </a:rPr>
-              <a:t>[5</a:t>
-            </a:r>
-            <a:r>
-              <a:rPr lang="en-US" baseline="30000"/>
+              <a:t>[7</a:t>
+            </a:r>
+            <a:r>
+              <a:rPr lang="en-US" baseline="30000" dirty="0"/>
               <a:t>]</a:t>
             </a:r>
-            <a:endParaRPr lang="en-GB"/>
+            <a:endParaRPr lang="en-GB" dirty="0"/>
           </a:p>
         </p:txBody>
       </p:sp>
@@ -11794,7 +11879,7 @@
                 <a:latin typeface="Calibri" panose="020F0502020204030204" pitchFamily="34" charset="0"/>
                 <a:cs typeface="Calibri" panose="020F0502020204030204" pitchFamily="34" charset="0"/>
               </a:rPr>
-              <a:t>[6]</a:t>
+              <a:t>[8]</a:t>
             </a:r>
             <a:r>
               <a:rPr lang="en-US" sz="2900" i="1" dirty="0">
@@ -17352,7 +17437,7 @@
               <a:buNone/>
             </a:pPr>
             <a:r>
-              <a:rPr lang="en-US">
+              <a:rPr lang="en-US" dirty="0">
                 <a:latin typeface="Calibri"/>
                 <a:ea typeface="Calibri"/>
                 <a:cs typeface="Calibri"/>
@@ -17361,7 +17446,7 @@
               <a:t>VMs vs Containers </a:t>
             </a:r>
             <a:r>
-              <a:rPr lang="en-US" baseline="30000">
+              <a:rPr lang="en-US" baseline="30000" dirty="0">
                 <a:latin typeface="Calibri"/>
                 <a:ea typeface="Calibri"/>
                 <a:cs typeface="Calibri"/>
@@ -17369,7 +17454,7 @@
               </a:rPr>
               <a:t>[1]</a:t>
             </a:r>
-            <a:endParaRPr>
+            <a:endParaRPr dirty="0">
               <a:latin typeface="Calibri"/>
               <a:ea typeface="Calibri"/>
               <a:cs typeface="Calibri"/>
@@ -26980,7 +27065,7 @@
           <p:nvPr/>
         </p:nvPicPr>
         <p:blipFill>
-          <a:blip r:embed="rId2"/>
+          <a:blip r:embed="rId3"/>
           <a:srcRect l="68206" t="-1" b="-2615"/>
           <a:stretch>
             <a:fillRect/>
@@ -27011,7 +27096,7 @@
           <p:nvPr/>
         </p:nvPicPr>
         <p:blipFill>
-          <a:blip r:embed="rId2"/>
+          <a:blip r:embed="rId3"/>
           <a:srcRect l="36675" r="31531"/>
           <a:stretch>
             <a:fillRect/>
@@ -27042,7 +27127,7 @@
           <p:nvPr/>
         </p:nvPicPr>
         <p:blipFill>
-          <a:blip r:embed="rId2"/>
+          <a:blip r:embed="rId3"/>
           <a:srcRect r="65626"/>
           <a:stretch>
             <a:fillRect/>
@@ -27109,6 +27194,79 @@
           <a:p>
             <a:pPr algn="ctr"/>
             <a:endParaRPr lang="en-GB"/>
+          </a:p>
+        </p:txBody>
+      </p:sp>
+      <p:sp>
+        <p:nvSpPr>
+          <p:cNvPr id="3" name="Google Shape;106;p18">
+            <a:extLst>
+              <a:ext uri="{FF2B5EF4-FFF2-40B4-BE49-F238E27FC236}">
+                <a16:creationId xmlns:a16="http://schemas.microsoft.com/office/drawing/2014/main" id="{1101B4AE-7C58-86AB-D7C3-542743A938C2}"/>
+              </a:ext>
+            </a:extLst>
+          </p:cNvPr>
+          <p:cNvSpPr txBox="1"/>
+          <p:nvPr/>
+        </p:nvSpPr>
+        <p:spPr>
+          <a:xfrm>
+            <a:off x="835800" y="4972454"/>
+            <a:ext cx="7472400" cy="400079"/>
+          </a:xfrm>
+          <a:prstGeom prst="rect">
+            <a:avLst/>
+          </a:prstGeom>
+          <a:noFill/>
+          <a:ln>
+            <a:noFill/>
+          </a:ln>
+        </p:spPr>
+        <p:txBody>
+          <a:bodyPr spcFirstLastPara="1" wrap="square" lIns="91425" tIns="91425" rIns="91425" bIns="91425" anchor="t" anchorCtr="0">
+            <a:spAutoFit/>
+          </a:bodyPr>
+          <a:lstStyle/>
+          <a:p>
+            <a:pPr lvl="0" algn="ctr"/>
+            <a:r>
+              <a:rPr lang="en-GB" dirty="0">
+                <a:latin typeface="Calibri" panose="020F0502020204030204" pitchFamily="34" charset="0"/>
+                <a:cs typeface="Calibri" panose="020F0502020204030204" pitchFamily="34" charset="0"/>
+                <a:sym typeface="Calibri"/>
+              </a:rPr>
+              <a:t>Steps to containerize an application from a </a:t>
+            </a:r>
+            <a:r>
+              <a:rPr lang="en-GB" dirty="0" err="1">
+                <a:latin typeface="Calibri" panose="020F0502020204030204" pitchFamily="34" charset="0"/>
+                <a:cs typeface="Calibri" panose="020F0502020204030204" pitchFamily="34" charset="0"/>
+                <a:sym typeface="Calibri"/>
+              </a:rPr>
+              <a:t>Dockerfile</a:t>
+            </a:r>
+            <a:r>
+              <a:rPr lang="en-GB" dirty="0">
+                <a:latin typeface="Calibri" panose="020F0502020204030204" pitchFamily="34" charset="0"/>
+                <a:cs typeface="Calibri" panose="020F0502020204030204" pitchFamily="34" charset="0"/>
+                <a:sym typeface="Calibri"/>
+              </a:rPr>
+              <a:t> </a:t>
+            </a:r>
+            <a:r>
+              <a:rPr lang="en-US" baseline="30000" dirty="0">
+                <a:latin typeface="Calibri"/>
+                <a:ea typeface="Calibri"/>
+                <a:cs typeface="Calibri"/>
+                <a:sym typeface="Calibri"/>
+              </a:rPr>
+              <a:t>[2]</a:t>
+            </a:r>
+            <a:endParaRPr dirty="0">
+              <a:latin typeface="Calibri" panose="020F0502020204030204" pitchFamily="34" charset="0"/>
+              <a:cs typeface="Calibri" panose="020F0502020204030204" pitchFamily="34" charset="0"/>
+              <a:sym typeface="Calibri"/>
+            </a:endParaRPr>
           </a:p>
         </p:txBody>
       </p:sp>
@@ -27259,6 +27417,33 @@
                                   </p:childTnLst>
                                 </p:cTn>
                               </p:par>
+                              <p:par>
+                                <p:cTn id="15" presetID="1" presetClass="entr" presetSubtype="0" fill="hold" grpId="0" nodeType="withEffect">
+                                  <p:stCondLst>
+                                    <p:cond delay="0"/>
+                                  </p:stCondLst>
+                                  <p:childTnLst>
+                                    <p:set>
+                                      <p:cBhvr>
+                                        <p:cTn id="16" dur="1" fill="hold">
+                                          <p:stCondLst>
+                                            <p:cond delay="0"/>
+                                          </p:stCondLst>
+                                        </p:cTn>
+                                        <p:tgtEl>
+                                          <p:spTgt spid="3"/>
+                                        </p:tgtEl>
+                                        <p:attrNameLst>
+                                          <p:attrName>style.visibility</p:attrName>
+                                        </p:attrNameLst>
+                                      </p:cBhvr>
+                                      <p:to>
+                                        <p:strVal val="visible"/>
+                                      </p:to>
+                                    </p:set>
+                                  </p:childTnLst>
+                                </p:cTn>
+                              </p:par>
                             </p:childTnLst>
                           </p:cTn>
                         </p:par>
@@ -27288,6 +27473,7 @@
     </p:tnLst>
     <p:bldLst>
       <p:bldP spid="10" grpId="0" animBg="1"/>
+      <p:bldP spid="3" grpId="0"/>
     </p:bldLst>
   </p:timing>
 </p:sld>
@@ -29824,41 +30010,41 @@
           <a:lstStyle/>
           <a:p>
             <a:r>
-              <a:rPr lang="en-GB" sz="2000">
+              <a:rPr lang="en-GB" sz="2000" dirty="0">
                 <a:latin typeface="Calibri" panose="020F0502020204030204" pitchFamily="34" charset="0"/>
                 <a:cs typeface="Calibri" panose="020F0502020204030204" pitchFamily="34" charset="0"/>
               </a:rPr>
               <a:t> • Slim Debian</a:t>
             </a:r>
             <a:r>
-              <a:rPr lang="en-GB" sz="2000" baseline="30000">
+              <a:rPr lang="en-GB" sz="2000" baseline="30000" dirty="0">
                 <a:latin typeface="Calibri" panose="020F0502020204030204" pitchFamily="34" charset="0"/>
                 <a:cs typeface="Calibri" panose="020F0502020204030204" pitchFamily="34" charset="0"/>
               </a:rPr>
-              <a:t>[2]</a:t>
-            </a:r>
-            <a:r>
-              <a:rPr lang="en-GB" sz="2000">
+              <a:t>[3]</a:t>
+            </a:r>
+            <a:r>
+              <a:rPr lang="en-GB" sz="2000" dirty="0">
                 <a:latin typeface="Calibri" panose="020F0502020204030204" pitchFamily="34" charset="0"/>
                 <a:cs typeface="Calibri" panose="020F0502020204030204" pitchFamily="34" charset="0"/>
               </a:rPr>
               <a:t>, Alpine Linux</a:t>
             </a:r>
             <a:r>
-              <a:rPr lang="en-GB" sz="2000" baseline="30000">
+              <a:rPr lang="en-GB" sz="2000" baseline="30000" dirty="0">
                 <a:latin typeface="Calibri" panose="020F0502020204030204" pitchFamily="34" charset="0"/>
                 <a:cs typeface="Calibri" panose="020F0502020204030204" pitchFamily="34" charset="0"/>
               </a:rPr>
-              <a:t>[3]</a:t>
+              <a:t>[4]</a:t>
             </a:r>
             <a:br>
-              <a:rPr lang="en-GB" sz="2000">
+              <a:rPr lang="en-GB" sz="2000" dirty="0">
                 <a:latin typeface="Calibri" panose="020F0502020204030204" pitchFamily="34" charset="0"/>
                 <a:cs typeface="Calibri" panose="020F0502020204030204" pitchFamily="34" charset="0"/>
               </a:rPr>
             </a:br>
             <a:r>
-              <a:rPr lang="en-GB" sz="2000">
+              <a:rPr lang="en-GB" sz="2000" dirty="0">
                 <a:latin typeface="Calibri" panose="020F0502020204030204" pitchFamily="34" charset="0"/>
                 <a:cs typeface="Calibri" panose="020F0502020204030204" pitchFamily="34" charset="0"/>
               </a:rPr>
@@ -30315,7 +30501,7 @@
                   <a:schemeClr val="tx1"/>
                 </a:solidFill>
               </a:rPr>
-              <a:t>[4]</a:t>
+              <a:t>[5]</a:t>
             </a:r>
             <a:endParaRPr lang="en-GB" sz="2900" dirty="0">
               <a:solidFill>
@@ -31383,7 +31569,7 @@
                 <a:latin typeface="Calibri" panose="020F0502020204030204" pitchFamily="34" charset="0"/>
                 <a:cs typeface="Calibri" panose="020F0502020204030204" pitchFamily="34" charset="0"/>
               </a:rPr>
-              <a:t>[5]</a:t>
+              <a:t>[6]</a:t>
             </a:r>
             <a:endParaRPr lang="en-GB" dirty="0"/>
           </a:p>
@@ -32534,15 +32720,6 @@
 </file>
 
 <file path=customXml/item1.xml><?xml version="1.0" encoding="utf-8"?>
-<?mso-contentType ?>
-<FormTemplates xmlns="http://schemas.microsoft.com/sharepoint/v3/contenttype/forms">
-  <Display>DocumentLibraryForm</Display>
-  <Edit>DocumentLibraryForm</Edit>
-  <New>DocumentLibraryForm</New>
-</FormTemplates>
-</file>
-
-<file path=customXml/item2.xml><?xml version="1.0" encoding="utf-8"?>
 <p:properties xmlns:p="http://schemas.microsoft.com/office/2006/metadata/properties" xmlns:xsi="http://www.w3.org/2001/XMLSchema-instance" xmlns:pc="http://schemas.microsoft.com/office/infopath/2007/PartnerControls">
   <documentManagement>
     <lcf76f155ced4ddcb4097134ff3c332f xmlns="9a09e305-2b6f-44eb-9cb7-f551901fef21">
@@ -32551,6 +32728,15 @@
     <TaxCatchAll xmlns="52256559-6cb1-4030-a915-1a1f4461c948" xsi:nil="true"/>
   </documentManagement>
 </p:properties>
+</file>
+
+<file path=customXml/item2.xml><?xml version="1.0" encoding="utf-8"?>
+<?mso-contentType ?>
+<FormTemplates xmlns="http://schemas.microsoft.com/sharepoint/v3/contenttype/forms">
+  <Display>DocumentLibraryForm</Display>
+  <Edit>DocumentLibraryForm</Edit>
+  <New>DocumentLibraryForm</New>
+</FormTemplates>
 </file>
 
 <file path=customXml/item3.xml><?xml version="1.0" encoding="utf-8"?>
@@ -32755,14 +32941,6 @@
 </file>
 
 <file path=customXml/itemProps1.xml><?xml version="1.0" encoding="utf-8"?>
-<ds:datastoreItem xmlns:ds="http://schemas.openxmlformats.org/officeDocument/2006/customXml" ds:itemID="{E325E7FE-86C7-4E44-8100-54164E3D5162}">
-  <ds:schemaRefs>
-    <ds:schemaRef ds:uri="http://schemas.microsoft.com/sharepoint/v3/contenttype/forms"/>
-  </ds:schemaRefs>
-</ds:datastoreItem>
-</file>
-
-<file path=customXml/itemProps2.xml><?xml version="1.0" encoding="utf-8"?>
 <ds:datastoreItem xmlns:ds="http://schemas.openxmlformats.org/officeDocument/2006/customXml" ds:itemID="{8E3EF5C6-7704-4DB2-B358-C0F619657D4C}">
   <ds:schemaRefs>
     <ds:schemaRef ds:uri="52256559-6cb1-4030-a915-1a1f4461c948"/>
@@ -32775,6 +32953,14 @@
     <ds:schemaRef ds:uri="9a09e305-2b6f-44eb-9cb7-f551901fef21"/>
     <ds:schemaRef ds:uri="http://www.w3.org/XML/1998/namespace"/>
     <ds:schemaRef ds:uri="http://purl.org/dc/terms/"/>
+  </ds:schemaRefs>
+</ds:datastoreItem>
+</file>
+
+<file path=customXml/itemProps2.xml><?xml version="1.0" encoding="utf-8"?>
+<ds:datastoreItem xmlns:ds="http://schemas.openxmlformats.org/officeDocument/2006/customXml" ds:itemID="{E325E7FE-86C7-4E44-8100-54164E3D5162}">
+  <ds:schemaRefs>
+    <ds:schemaRef ds:uri="http://schemas.microsoft.com/sharepoint/v3/contenttype/forms"/>
   </ds:schemaRefs>
 </ds:datastoreItem>
 </file>
